--- a/doc/Interface_Transaction_Report_UPDATED.pptx
+++ b/doc/Interface_Transaction_Report_UPDATED.pptx
@@ -840,7 +840,7 @@
             <a:fld id="{B61BEF0D-F0BB-DE4B-95CE-6DB70DBA9567}" type="datetimeFigureOut">
               <a:rPr lang="en-US"/>
               <a:pPr/>
-              <a:t>11/7/2019</a:t>
+              <a:t>12/21/2019</a:t>
             </a:fld>
             <a:endParaRPr lang="en-US"/>
           </a:p>
@@ -1088,7 +1088,7 @@
             <a:fld id="{B61BEF0D-F0BB-DE4B-95CE-6DB70DBA9567}" type="datetimeFigureOut">
               <a:rPr lang="en-US"/>
               <a:pPr/>
-              <a:t>11/7/2019</a:t>
+              <a:t>12/21/2019</a:t>
             </a:fld>
             <a:endParaRPr lang="en-US"/>
           </a:p>
@@ -1399,7 +1399,7 @@
             <a:fld id="{B61BEF0D-F0BB-DE4B-95CE-6DB70DBA9567}" type="datetimeFigureOut">
               <a:rPr lang="en-US"/>
               <a:pPr/>
-              <a:t>11/7/2019</a:t>
+              <a:t>12/21/2019</a:t>
             </a:fld>
             <a:endParaRPr lang="en-US"/>
           </a:p>
@@ -1737,7 +1737,7 @@
             <a:fld id="{B61BEF0D-F0BB-DE4B-95CE-6DB70DBA9567}" type="datetimeFigureOut">
               <a:rPr lang="en-US"/>
               <a:pPr/>
-              <a:t>11/7/2019</a:t>
+              <a:t>12/21/2019</a:t>
             </a:fld>
             <a:endParaRPr lang="en-US"/>
           </a:p>
@@ -2048,7 +2048,7 @@
             <a:fld id="{B61BEF0D-F0BB-DE4B-95CE-6DB70DBA9567}" type="datetimeFigureOut">
               <a:rPr lang="en-US"/>
               <a:pPr/>
-              <a:t>11/7/2019</a:t>
+              <a:t>12/21/2019</a:t>
             </a:fld>
             <a:endParaRPr lang="en-US"/>
           </a:p>
@@ -2438,7 +2438,7 @@
             <a:fld id="{B61BEF0D-F0BB-DE4B-95CE-6DB70DBA9567}" type="datetimeFigureOut">
               <a:rPr lang="en-US"/>
               <a:pPr/>
-              <a:t>11/7/2019</a:t>
+              <a:t>12/21/2019</a:t>
             </a:fld>
             <a:endParaRPr lang="en-US"/>
           </a:p>
@@ -2604,7 +2604,7 @@
           <a:p>
             <a:fld id="{55C6B4A9-1611-4792-9094-5F34BCA07E0B}" type="datetimeFigureOut">
               <a:rPr lang="en-US"/>
-              <a:t>11/7/2019</a:t>
+              <a:t>12/21/2019</a:t>
             </a:fld>
             <a:endParaRPr lang="en-US"/>
           </a:p>
@@ -2780,7 +2780,7 @@
             <a:fld id="{B61BEF0D-F0BB-DE4B-95CE-6DB70DBA9567}" type="datetimeFigureOut">
               <a:rPr lang="en-US"/>
               <a:pPr/>
-              <a:t>11/7/2019</a:t>
+              <a:t>12/21/2019</a:t>
             </a:fld>
             <a:endParaRPr lang="en-US"/>
           </a:p>
@@ -2953,7 +2953,7 @@
             <a:fld id="{B61BEF0D-F0BB-DE4B-95CE-6DB70DBA9567}" type="datetimeFigureOut">
               <a:rPr lang="en-US"/>
               <a:pPr/>
-              <a:t>11/7/2019</a:t>
+              <a:t>12/21/2019</a:t>
             </a:fld>
             <a:endParaRPr lang="en-US"/>
           </a:p>
@@ -3197,7 +3197,7 @@
             <a:fld id="{B61BEF0D-F0BB-DE4B-95CE-6DB70DBA9567}" type="datetimeFigureOut">
               <a:rPr lang="en-US"/>
               <a:pPr/>
-              <a:t>11/7/2019</a:t>
+              <a:t>12/21/2019</a:t>
             </a:fld>
             <a:endParaRPr lang="en-US"/>
           </a:p>
@@ -3425,7 +3425,7 @@
           <a:p>
             <a:fld id="{EB712588-04B1-427B-82EE-E8DB90309F08}" type="datetimeFigureOut">
               <a:rPr lang="en-US"/>
-              <a:t>11/7/2019</a:t>
+              <a:t>12/21/2019</a:t>
             </a:fld>
             <a:endParaRPr lang="en-US"/>
           </a:p>
@@ -3795,7 +3795,7 @@
             <a:fld id="{B61BEF0D-F0BB-DE4B-95CE-6DB70DBA9567}" type="datetimeFigureOut">
               <a:rPr lang="en-US"/>
               <a:pPr/>
-              <a:t>11/7/2019</a:t>
+              <a:t>12/21/2019</a:t>
             </a:fld>
             <a:endParaRPr lang="en-US"/>
           </a:p>
@@ -3915,7 +3915,7 @@
             <a:fld id="{B61BEF0D-F0BB-DE4B-95CE-6DB70DBA9567}" type="datetimeFigureOut">
               <a:rPr lang="en-US"/>
               <a:pPr/>
-              <a:t>11/7/2019</a:t>
+              <a:t>12/21/2019</a:t>
             </a:fld>
             <a:endParaRPr lang="en-US"/>
           </a:p>
@@ -4007,7 +4007,7 @@
             <a:fld id="{B61BEF0D-F0BB-DE4B-95CE-6DB70DBA9567}" type="datetimeFigureOut">
               <a:rPr lang="en-US"/>
               <a:pPr/>
-              <a:t>11/7/2019</a:t>
+              <a:t>12/21/2019</a:t>
             </a:fld>
             <a:endParaRPr lang="en-US"/>
           </a:p>
@@ -4258,7 +4258,7 @@
           <a:p>
             <a:fld id="{42A54C80-263E-416B-A8E0-580EDEADCBDC}" type="datetimeFigureOut">
               <a:rPr lang="en-US"/>
-              <a:t>11/7/2019</a:t>
+              <a:t>12/21/2019</a:t>
             </a:fld>
             <a:endParaRPr lang="en-US"/>
           </a:p>
@@ -4517,7 +4517,7 @@
             <a:fld id="{B61BEF0D-F0BB-DE4B-95CE-6DB70DBA9567}" type="datetimeFigureOut">
               <a:rPr lang="en-US"/>
               <a:pPr/>
-              <a:t>11/7/2019</a:t>
+              <a:t>12/21/2019</a:t>
             </a:fld>
             <a:endParaRPr lang="en-US"/>
           </a:p>
@@ -5257,7 +5257,7 @@
             <a:fld id="{B61BEF0D-F0BB-DE4B-95CE-6DB70DBA9567}" type="datetimeFigureOut">
               <a:rPr lang="en-US"/>
               <a:pPr/>
-              <a:t>11/7/2019</a:t>
+              <a:t>12/21/2019</a:t>
             </a:fld>
             <a:endParaRPr lang="en-US"/>
           </a:p>
@@ -5958,11 +5958,7 @@
             </a:r>
             <a:r>
               <a:rPr lang="en-US" smtClean="0"/>
-              <a:t>   aes_cipher_en</a:t>
-            </a:r>
-            <a:r>
-              <a:rPr lang="en-US" smtClean="0"/>
-              <a:t>;</a:t>
+              <a:t>   aes_cipher_en;</a:t>
             </a:r>
           </a:p>
           <a:p>
@@ -5979,7 +5975,6 @@
               <a:rPr lang="en-US" smtClean="0"/>
               <a:t>              aes_decipher_en;</a:t>
             </a:r>
-            <a:endParaRPr lang="en-US" smtClean="0"/>
           </a:p>
           <a:p>
             <a:pPr algn="l"/>
@@ -6302,7 +6297,7 @@
         <p:spPr>
           <a:xfrm>
             <a:off x="577850" y="671691"/>
-            <a:ext cx="11982450" cy="7017306"/>
+            <a:ext cx="11982450" cy="7571303"/>
           </a:xfrm>
           <a:prstGeom prst="rect">
             <a:avLst/>
@@ -6345,17 +6340,11 @@
             </a:r>
             <a:r>
               <a:rPr lang="en-US" smtClean="0"/>
-              <a:t>uvm_sequence_item;</a:t>
-            </a:r>
-          </a:p>
-          <a:p>
-            <a:r>
-              <a:rPr lang="en-US">
-                <a:solidFill>
-                  <a:srgbClr val="0070C0"/>
-                </a:solidFill>
-              </a:rPr>
-              <a:t> </a:t>
+              <a:t>uvm_sequence_item</a:t>
+            </a:r>
+            <a:r>
+              <a:rPr lang="en-US" smtClean="0"/>
+              <a:t>;</a:t>
             </a:r>
             <a:endParaRPr lang="en-US" smtClean="0">
               <a:solidFill>
@@ -6576,7 +6565,51 @@
                   </a:schemeClr>
                 </a:solidFill>
               </a:rPr>
-              <a:t>// delay signal</a:t>
+              <a:t>// delay </a:t>
+            </a:r>
+            <a:r>
+              <a:rPr lang="en-US" smtClean="0">
+                <a:solidFill>
+                  <a:schemeClr val="accent2">
+                    <a:lumMod val="75000"/>
+                  </a:schemeClr>
+                </a:solidFill>
+              </a:rPr>
+              <a:t>signal</a:t>
+            </a:r>
+          </a:p>
+          <a:p>
+            <a:r>
+              <a:rPr lang="en-US">
+                <a:solidFill>
+                  <a:schemeClr val="accent2">
+                    <a:lumMod val="75000"/>
+                  </a:schemeClr>
+                </a:solidFill>
+              </a:rPr>
+              <a:t> </a:t>
+            </a:r>
+            <a:r>
+              <a:rPr lang="en-US" smtClean="0">
+                <a:solidFill>
+                  <a:schemeClr val="accent2">
+                    <a:lumMod val="75000"/>
+                  </a:schemeClr>
+                </a:solidFill>
+              </a:rPr>
+              <a:t> </a:t>
+            </a:r>
+            <a:r>
+              <a:rPr lang="en-US" smtClean="0">
+                <a:solidFill>
+                  <a:srgbClr val="0070C0"/>
+                </a:solidFill>
+              </a:rPr>
+              <a:t>rand  bit               </a:t>
+            </a:r>
+            <a:r>
+              <a:rPr lang="en-US" smtClean="0"/>
+              <a:t>aes_new_chain;</a:t>
             </a:r>
             <a:endParaRPr lang="en-US">
               <a:solidFill>
@@ -6903,8 +6936,37 @@
             </a:r>
             <a:r>
               <a:rPr lang="en-US"/>
-              <a:t>UVM_ALL_ON)</a:t>
-            </a:r>
+              <a:t>UVM_ALL_ON</a:t>
+            </a:r>
+            <a:r>
+              <a:rPr lang="en-US" smtClean="0"/>
+              <a:t>)</a:t>
+            </a:r>
+          </a:p>
+          <a:p>
+            <a:r>
+              <a:rPr lang="en-US" smtClean="0">
+                <a:solidFill>
+                  <a:schemeClr val="accent5">
+                    <a:lumMod val="75000"/>
+                  </a:schemeClr>
+                </a:solidFill>
+              </a:rPr>
+              <a:t>  `uvm_field_int</a:t>
+            </a:r>
+            <a:r>
+              <a:rPr lang="en-US" smtClean="0"/>
+              <a:t>(aes_new_chain, </a:t>
+            </a:r>
+            <a:r>
+              <a:rPr lang="en-US"/>
+              <a:t>UVM_ALL_ON</a:t>
+            </a:r>
+            <a:r>
+              <a:rPr lang="en-US" smtClean="0"/>
+              <a:t>)</a:t>
+            </a:r>
+            <a:endParaRPr lang="en-US"/>
           </a:p>
           <a:p>
             <a:r>
@@ -7232,17 +7294,7 @@
                           <a:latin typeface="Times New Roman" panose="02020603050405020304" pitchFamily="18" charset="0"/>
                           <a:cs typeface="Times New Roman" panose="02020603050405020304" pitchFamily="18" charset="0"/>
                         </a:rPr>
-                        <a:t>Tên </a:t>
-                      </a:r>
-                      <a:r>
-                        <a:rPr lang="en-US" smtClean="0">
-                          <a:solidFill>
-                            <a:schemeClr val="tx1"/>
-                          </a:solidFill>
-                          <a:latin typeface="Times New Roman" panose="02020603050405020304" pitchFamily="18" charset="0"/>
-                          <a:cs typeface="Times New Roman" panose="02020603050405020304" pitchFamily="18" charset="0"/>
-                        </a:rPr>
-                        <a:t>biến</a:t>
+                        <a:t>Tên biến</a:t>
                       </a:r>
                       <a:endParaRPr lang="en-US">
                         <a:solidFill>
@@ -7670,19 +7722,7 @@
                           <a:ea typeface="+mn-ea"/>
                           <a:cs typeface="Times New Roman" panose="02020603050405020304" pitchFamily="18" charset="0"/>
                         </a:rPr>
-                        <a:t>Cho phép mã hóa/giải mã liên tục một chuỗi dữ liệu. Một chuỗi dữ liệu gồm nhiều khối dữ liệu. Tích cực trong suốt quá trình xử lý đa khối, một chuỗi dữ liệu đang được xử lý. Sử dụng kết hợp với cipher_en và decipher_en trong các chế độ CBC, CFB và OFB</a:t>
-                      </a:r>
-                      <a:r>
-                        <a:rPr lang="vi-VN" sz="1800" i="0" kern="1200" smtClean="0">
-                          <a:solidFill>
-                            <a:schemeClr val="dk1"/>
-                          </a:solidFill>
-                          <a:effectLst/>
-                          <a:latin typeface="Times New Roman" panose="02020603050405020304" pitchFamily="18" charset="0"/>
-                          <a:ea typeface="+mn-ea"/>
-                          <a:cs typeface="Times New Roman" panose="02020603050405020304" pitchFamily="18" charset="0"/>
-                        </a:rPr>
-                        <a:t>.</a:t>
+                        <a:t>Cho phép mã hóa/giải mã liên tục một chuỗi dữ liệu. Một chuỗi dữ liệu gồm nhiều khối dữ liệu. Tích cực trong suốt quá trình xử lý đa khối, một chuỗi dữ liệu đang được xử lý. Sử dụng kết hợp với cipher_en và decipher_en trong các chế độ CBC, CFB và OFB.</a:t>
                       </a:r>
                       <a:endParaRPr lang="en-US" sz="1800" i="0" kern="1200" smtClean="0">
                         <a:solidFill>
@@ -8081,27 +8121,7 @@
                           <a:latin typeface="Times New Roman" panose="02020603050405020304" pitchFamily="18" charset="0"/>
                           <a:cs typeface="Times New Roman" panose="02020603050405020304" pitchFamily="18" charset="0"/>
                         </a:rPr>
-                        <a:t> mã </a:t>
-                      </a:r>
-                      <a:r>
-                        <a:rPr lang="en-US" baseline="0" smtClean="0">
-                          <a:solidFill>
-                            <a:schemeClr val="tx1"/>
-                          </a:solidFill>
-                          <a:latin typeface="Times New Roman" panose="02020603050405020304" pitchFamily="18" charset="0"/>
-                          <a:cs typeface="Times New Roman" panose="02020603050405020304" pitchFamily="18" charset="0"/>
-                        </a:rPr>
-                        <a:t>dùng </a:t>
-                      </a:r>
-                      <a:r>
-                        <a:rPr lang="en-US" baseline="0" smtClean="0">
-                          <a:solidFill>
-                            <a:schemeClr val="tx1"/>
-                          </a:solidFill>
-                          <a:latin typeface="Times New Roman" panose="02020603050405020304" pitchFamily="18" charset="0"/>
-                          <a:cs typeface="Times New Roman" panose="02020603050405020304" pitchFamily="18" charset="0"/>
-                        </a:rPr>
-                        <a:t>cho quá trình mã hoá hoặc giải mã.</a:t>
+                        <a:t> mã dùng cho quá trình mã hoá hoặc giải mã.</a:t>
                       </a:r>
                       <a:endParaRPr lang="en-US">
                         <a:solidFill>
@@ -8544,14 +8564,14 @@
           <p:nvPr>
             <p:extLst>
               <p:ext uri="{D42A27DB-BD31-4B8C-83A1-F6EECF244321}">
-                <p14:modId xmlns:p14="http://schemas.microsoft.com/office/powerpoint/2010/main" val="3308337697"/>
+                <p14:modId xmlns:p14="http://schemas.microsoft.com/office/powerpoint/2010/main" val="659133039"/>
               </p:ext>
             </p:extLst>
           </p:nvPr>
         </p:nvGraphicFramePr>
         <p:xfrm>
           <a:off x="0" y="0"/>
-          <a:ext cx="12178145" cy="7350236"/>
+          <a:ext cx="12178145" cy="9087596"/>
         </p:xfrm>
         <a:graphic>
           <a:graphicData uri="http://schemas.openxmlformats.org/drawingml/2006/table">
@@ -8855,29 +8875,7 @@
                           <a:ea typeface="+mn-ea"/>
                           <a:cs typeface="Times New Roman" panose="02020603050405020304" pitchFamily="18" charset="0"/>
                         </a:rPr>
-                        <a:t>Giá trị counter được </a:t>
-                      </a:r>
-                      <a:r>
-                        <a:rPr lang="en-US" sz="1800" kern="1200" smtClean="0">
-                          <a:solidFill>
-                            <a:schemeClr val="dk1"/>
-                          </a:solidFill>
-                          <a:latin typeface="Times New Roman" panose="02020603050405020304" pitchFamily="18" charset="0"/>
-                          <a:ea typeface="+mn-ea"/>
-                          <a:cs typeface="Times New Roman" panose="02020603050405020304" pitchFamily="18" charset="0"/>
-                        </a:rPr>
-                        <a:t>dùng </a:t>
-                      </a:r>
-                      <a:r>
-                        <a:rPr lang="en-US" sz="1800" kern="1200" smtClean="0">
-                          <a:solidFill>
-                            <a:schemeClr val="dk1"/>
-                          </a:solidFill>
-                          <a:latin typeface="Times New Roman" panose="02020603050405020304" pitchFamily="18" charset="0"/>
-                          <a:ea typeface="+mn-ea"/>
-                          <a:cs typeface="Times New Roman" panose="02020603050405020304" pitchFamily="18" charset="0"/>
-                        </a:rPr>
-                        <a:t>trong chế độ CTR.</a:t>
+                        <a:t>Giá trị counter được dùng trong chế độ CTR.</a:t>
                       </a:r>
                       <a:endParaRPr lang="en-US" sz="1800" kern="1200">
                         <a:solidFill>
@@ -9322,17 +9320,7 @@
                           <a:latin typeface="Times New Roman" panose="02020603050405020304" pitchFamily="18" charset="0"/>
                           <a:cs typeface="Times New Roman" panose="02020603050405020304" pitchFamily="18" charset="0"/>
                         </a:rPr>
-                        <a:t> khiển số chu kì delay giữa 2 lần mã hoá hoặc giải </a:t>
-                      </a:r>
-                      <a:r>
-                        <a:rPr lang="en-US" baseline="0" smtClean="0">
-                          <a:solidFill>
-                            <a:schemeClr val="tx1"/>
-                          </a:solidFill>
-                          <a:latin typeface="Times New Roman" panose="02020603050405020304" pitchFamily="18" charset="0"/>
-                          <a:cs typeface="Times New Roman" panose="02020603050405020304" pitchFamily="18" charset="0"/>
-                        </a:rPr>
-                        <a:t>mã (tối thiểu 1 chu kì)</a:t>
+                        <a:t> khiển số chu kì delay giữa 2 lần mã hoá hoặc giải mã (tối thiểu 1 chu kì)</a:t>
                       </a:r>
                       <a:endParaRPr lang="en-US">
                         <a:solidFill>
@@ -9369,6 +9357,222 @@
                           <a:cs typeface="Times New Roman" panose="02020603050405020304" pitchFamily="18" charset="0"/>
                         </a:rPr>
                         <a:t> Driver tạo 1 khoảng delay sau mỗi lần mã hoá/giải mã. Sau đó mới thực hiện lần mã hoá/giải mã tiếp theo.</a:t>
+                      </a:r>
+                      <a:endParaRPr lang="en-US">
+                        <a:solidFill>
+                          <a:schemeClr val="tx1"/>
+                        </a:solidFill>
+                        <a:latin typeface="Times New Roman" panose="02020603050405020304" pitchFamily="18" charset="0"/>
+                        <a:cs typeface="Times New Roman" panose="02020603050405020304" pitchFamily="18" charset="0"/>
+                      </a:endParaRPr>
+                    </a:p>
+                  </a:txBody>
+                  <a:tcPr/>
+                </a:tc>
+              </a:tr>
+              <a:tr h="850228">
+                <a:tc>
+                  <a:txBody>
+                    <a:bodyPr/>
+                    <a:lstStyle/>
+                    <a:p>
+                      <a:r>
+                        <a:rPr lang="en-US" smtClean="0">
+                          <a:solidFill>
+                            <a:schemeClr val="tx1"/>
+                          </a:solidFill>
+                          <a:latin typeface="Times New Roman" panose="02020603050405020304" pitchFamily="18" charset="0"/>
+                          <a:cs typeface="Times New Roman" panose="02020603050405020304" pitchFamily="18" charset="0"/>
+                        </a:rPr>
+                        <a:t>9</a:t>
+                      </a:r>
+                      <a:endParaRPr lang="en-US">
+                        <a:solidFill>
+                          <a:schemeClr val="tx1"/>
+                        </a:solidFill>
+                        <a:latin typeface="Times New Roman" panose="02020603050405020304" pitchFamily="18" charset="0"/>
+                        <a:cs typeface="Times New Roman" panose="02020603050405020304" pitchFamily="18" charset="0"/>
+                      </a:endParaRPr>
+                    </a:p>
+                  </a:txBody>
+                  <a:tcPr/>
+                </a:tc>
+                <a:tc>
+                  <a:txBody>
+                    <a:bodyPr/>
+                    <a:lstStyle/>
+                    <a:p>
+                      <a:r>
+                        <a:rPr lang="en-US" smtClean="0">
+                          <a:solidFill>
+                            <a:schemeClr val="tx1"/>
+                          </a:solidFill>
+                          <a:latin typeface="Times New Roman" panose="02020603050405020304" pitchFamily="18" charset="0"/>
+                          <a:cs typeface="Times New Roman" panose="02020603050405020304" pitchFamily="18" charset="0"/>
+                        </a:rPr>
+                        <a:t>aes_new_chain</a:t>
+                      </a:r>
+                      <a:endParaRPr lang="en-US">
+                        <a:solidFill>
+                          <a:schemeClr val="tx1"/>
+                        </a:solidFill>
+                        <a:latin typeface="Times New Roman" panose="02020603050405020304" pitchFamily="18" charset="0"/>
+                        <a:cs typeface="Times New Roman" panose="02020603050405020304" pitchFamily="18" charset="0"/>
+                      </a:endParaRPr>
+                    </a:p>
+                  </a:txBody>
+                  <a:tcPr/>
+                </a:tc>
+                <a:tc>
+                  <a:txBody>
+                    <a:bodyPr/>
+                    <a:lstStyle/>
+                    <a:p>
+                      <a:r>
+                        <a:rPr lang="en-US" smtClean="0">
+                          <a:solidFill>
+                            <a:schemeClr val="tx1"/>
+                          </a:solidFill>
+                          <a:latin typeface="Times New Roman" panose="02020603050405020304" pitchFamily="18" charset="0"/>
+                          <a:cs typeface="Times New Roman" panose="02020603050405020304" pitchFamily="18" charset="0"/>
+                        </a:rPr>
+                        <a:t>1</a:t>
+                      </a:r>
+                      <a:endParaRPr lang="en-US">
+                        <a:solidFill>
+                          <a:schemeClr val="tx1"/>
+                        </a:solidFill>
+                        <a:latin typeface="Times New Roman" panose="02020603050405020304" pitchFamily="18" charset="0"/>
+                        <a:cs typeface="Times New Roman" panose="02020603050405020304" pitchFamily="18" charset="0"/>
+                      </a:endParaRPr>
+                    </a:p>
+                  </a:txBody>
+                  <a:tcPr/>
+                </a:tc>
+                <a:tc>
+                  <a:txBody>
+                    <a:bodyPr/>
+                    <a:lstStyle/>
+                    <a:p>
+                      <a:r>
+                        <a:rPr lang="en-US" smtClean="0">
+                          <a:solidFill>
+                            <a:schemeClr val="tx1"/>
+                          </a:solidFill>
+                          <a:latin typeface="Times New Roman" panose="02020603050405020304" pitchFamily="18" charset="0"/>
+                          <a:cs typeface="Times New Roman" panose="02020603050405020304" pitchFamily="18" charset="0"/>
+                        </a:rPr>
+                        <a:t>Là</a:t>
+                      </a:r>
+                      <a:r>
+                        <a:rPr lang="en-US" baseline="0" smtClean="0">
+                          <a:solidFill>
+                            <a:schemeClr val="tx1"/>
+                          </a:solidFill>
+                          <a:latin typeface="Times New Roman" panose="02020603050405020304" pitchFamily="18" charset="0"/>
+                          <a:cs typeface="Times New Roman" panose="02020603050405020304" pitchFamily="18" charset="0"/>
+                        </a:rPr>
+                        <a:t> biến để user lái xuống 0 giữa 2 lần xử lý 2 khối dữ liệu.</a:t>
+                      </a:r>
+                    </a:p>
+                    <a:p>
+                      <a:r>
+                        <a:rPr lang="en-US" baseline="0" smtClean="0">
+                          <a:solidFill>
+                            <a:schemeClr val="tx1"/>
+                          </a:solidFill>
+                          <a:latin typeface="Times New Roman" panose="02020603050405020304" pitchFamily="18" charset="0"/>
+                          <a:cs typeface="Times New Roman" panose="02020603050405020304" pitchFamily="18" charset="0"/>
+                        </a:rPr>
+                        <a:t>Nếu biến này == 1 thì ở quá trình xử lý đó tín hiệu </a:t>
+                      </a:r>
+                      <a:r>
+                        <a:rPr lang="en-US" i="1" baseline="0" smtClean="0">
+                          <a:solidFill>
+                            <a:schemeClr val="tx1"/>
+                          </a:solidFill>
+                          <a:latin typeface="Times New Roman" panose="02020603050405020304" pitchFamily="18" charset="0"/>
+                          <a:cs typeface="Times New Roman" panose="02020603050405020304" pitchFamily="18" charset="0"/>
+                        </a:rPr>
+                        <a:t>aes_chain_en</a:t>
+                      </a:r>
+                      <a:r>
+                        <a:rPr lang="en-US" baseline="0" smtClean="0">
+                          <a:solidFill>
+                            <a:schemeClr val="tx1"/>
+                          </a:solidFill>
+                          <a:latin typeface="Times New Roman" panose="02020603050405020304" pitchFamily="18" charset="0"/>
+                          <a:cs typeface="Times New Roman" panose="02020603050405020304" pitchFamily="18" charset="0"/>
+                        </a:rPr>
+                        <a:t> ở Interface sẽ được lái xuống 0 trong giai đoạn IDLE.</a:t>
+                      </a:r>
+                    </a:p>
+                    <a:p>
+                      <a:r>
+                        <a:rPr lang="en-US" baseline="0" smtClean="0">
+                          <a:solidFill>
+                            <a:schemeClr val="tx1"/>
+                          </a:solidFill>
+                          <a:latin typeface="Times New Roman" panose="02020603050405020304" pitchFamily="18" charset="0"/>
+                          <a:cs typeface="Times New Roman" panose="02020603050405020304" pitchFamily="18" charset="0"/>
+                        </a:rPr>
+                        <a:t>Nếu biến này == 0 thì </a:t>
+                      </a:r>
+                      <a:r>
+                        <a:rPr lang="en-US" i="1" baseline="0" smtClean="0">
+                          <a:solidFill>
+                            <a:schemeClr val="tx1"/>
+                          </a:solidFill>
+                          <a:latin typeface="Times New Roman" panose="02020603050405020304" pitchFamily="18" charset="0"/>
+                          <a:cs typeface="Times New Roman" panose="02020603050405020304" pitchFamily="18" charset="0"/>
+                        </a:rPr>
+                        <a:t>aes_chain_en</a:t>
+                      </a:r>
+                      <a:r>
+                        <a:rPr lang="en-US" baseline="0" smtClean="0">
+                          <a:solidFill>
+                            <a:schemeClr val="tx1"/>
+                          </a:solidFill>
+                          <a:latin typeface="Times New Roman" panose="02020603050405020304" pitchFamily="18" charset="0"/>
+                          <a:cs typeface="Times New Roman" panose="02020603050405020304" pitchFamily="18" charset="0"/>
+                        </a:rPr>
+                        <a:t> không thay đổi.</a:t>
+                      </a:r>
+                      <a:endParaRPr lang="en-US">
+                        <a:solidFill>
+                          <a:schemeClr val="tx1"/>
+                        </a:solidFill>
+                        <a:latin typeface="Times New Roman" panose="02020603050405020304" pitchFamily="18" charset="0"/>
+                        <a:cs typeface="Times New Roman" panose="02020603050405020304" pitchFamily="18" charset="0"/>
+                      </a:endParaRPr>
+                    </a:p>
+                  </a:txBody>
+                  <a:tcPr/>
+                </a:tc>
+                <a:tc>
+                  <a:txBody>
+                    <a:bodyPr/>
+                    <a:lstStyle/>
+                    <a:p>
+                      <a:r>
+                        <a:rPr lang="en-US" smtClean="0">
+                          <a:solidFill>
+                            <a:schemeClr val="tx1"/>
+                          </a:solidFill>
+                          <a:latin typeface="Times New Roman" panose="02020603050405020304" pitchFamily="18" charset="0"/>
+                          <a:cs typeface="Times New Roman" panose="02020603050405020304" pitchFamily="18" charset="0"/>
+                        </a:rPr>
+                        <a:t>Sử dụng</a:t>
+                      </a:r>
+                      <a:r>
+                        <a:rPr lang="en-US" baseline="0" smtClean="0">
+                          <a:solidFill>
+                            <a:schemeClr val="tx1"/>
+                          </a:solidFill>
+                          <a:latin typeface="Times New Roman" panose="02020603050405020304" pitchFamily="18" charset="0"/>
+                          <a:cs typeface="Times New Roman" panose="02020603050405020304" pitchFamily="18" charset="0"/>
+                        </a:rPr>
+                        <a:t> trong quá trình xử lý đa khối để điều khiển tín hiệu aes_chain_en ở Interface.</a:t>
                       </a:r>
                       <a:endParaRPr lang="en-US">
                         <a:solidFill>
@@ -9396,7 +9600,7 @@
                           <a:latin typeface="Times New Roman" panose="02020603050405020304" pitchFamily="18" charset="0"/>
                           <a:cs typeface="Times New Roman" panose="02020603050405020304" pitchFamily="18" charset="0"/>
                         </a:rPr>
-                        <a:t>9</a:t>
+                        <a:t>10</a:t>
                       </a:r>
                       <a:endParaRPr lang="en-US">
                         <a:solidFill>
